--- a/Solution Presentation.pptx
+++ b/Solution Presentation.pptx
@@ -266,7 +266,7 @@
           <a:p>
             <a:fld id="{8F6B6AA6-5F61-4445-8FDF-FDDD521329A7}" type="datetimeFigureOut">
               <a:rPr lang="en-FI" smtClean="0"/>
-              <a:t>7.10.2024</a:t>
+              <a:t>8.10.2024</a:t>
             </a:fld>
             <a:endParaRPr lang="en-FI"/>
           </a:p>
@@ -466,7 +466,7 @@
           <a:p>
             <a:fld id="{8F6B6AA6-5F61-4445-8FDF-FDDD521329A7}" type="datetimeFigureOut">
               <a:rPr lang="en-FI" smtClean="0"/>
-              <a:t>7.10.2024</a:t>
+              <a:t>8.10.2024</a:t>
             </a:fld>
             <a:endParaRPr lang="en-FI"/>
           </a:p>
@@ -676,7 +676,7 @@
           <a:p>
             <a:fld id="{8F6B6AA6-5F61-4445-8FDF-FDDD521329A7}" type="datetimeFigureOut">
               <a:rPr lang="en-FI" smtClean="0"/>
-              <a:t>7.10.2024</a:t>
+              <a:t>8.10.2024</a:t>
             </a:fld>
             <a:endParaRPr lang="en-FI"/>
           </a:p>
@@ -876,7 +876,7 @@
           <a:p>
             <a:fld id="{8F6B6AA6-5F61-4445-8FDF-FDDD521329A7}" type="datetimeFigureOut">
               <a:rPr lang="en-FI" smtClean="0"/>
-              <a:t>7.10.2024</a:t>
+              <a:t>8.10.2024</a:t>
             </a:fld>
             <a:endParaRPr lang="en-FI"/>
           </a:p>
@@ -1152,7 +1152,7 @@
           <a:p>
             <a:fld id="{8F6B6AA6-5F61-4445-8FDF-FDDD521329A7}" type="datetimeFigureOut">
               <a:rPr lang="en-FI" smtClean="0"/>
-              <a:t>7.10.2024</a:t>
+              <a:t>8.10.2024</a:t>
             </a:fld>
             <a:endParaRPr lang="en-FI"/>
           </a:p>
@@ -1420,7 +1420,7 @@
           <a:p>
             <a:fld id="{8F6B6AA6-5F61-4445-8FDF-FDDD521329A7}" type="datetimeFigureOut">
               <a:rPr lang="en-FI" smtClean="0"/>
-              <a:t>7.10.2024</a:t>
+              <a:t>8.10.2024</a:t>
             </a:fld>
             <a:endParaRPr lang="en-FI"/>
           </a:p>
@@ -1835,7 +1835,7 @@
           <a:p>
             <a:fld id="{8F6B6AA6-5F61-4445-8FDF-FDDD521329A7}" type="datetimeFigureOut">
               <a:rPr lang="en-FI" smtClean="0"/>
-              <a:t>7.10.2024</a:t>
+              <a:t>8.10.2024</a:t>
             </a:fld>
             <a:endParaRPr lang="en-FI"/>
           </a:p>
@@ -1977,7 +1977,7 @@
           <a:p>
             <a:fld id="{8F6B6AA6-5F61-4445-8FDF-FDDD521329A7}" type="datetimeFigureOut">
               <a:rPr lang="en-FI" smtClean="0"/>
-              <a:t>7.10.2024</a:t>
+              <a:t>8.10.2024</a:t>
             </a:fld>
             <a:endParaRPr lang="en-FI"/>
           </a:p>
@@ -2090,7 +2090,7 @@
           <a:p>
             <a:fld id="{8F6B6AA6-5F61-4445-8FDF-FDDD521329A7}" type="datetimeFigureOut">
               <a:rPr lang="en-FI" smtClean="0"/>
-              <a:t>7.10.2024</a:t>
+              <a:t>8.10.2024</a:t>
             </a:fld>
             <a:endParaRPr lang="en-FI"/>
           </a:p>
@@ -2403,7 +2403,7 @@
           <a:p>
             <a:fld id="{8F6B6AA6-5F61-4445-8FDF-FDDD521329A7}" type="datetimeFigureOut">
               <a:rPr lang="en-FI" smtClean="0"/>
-              <a:t>7.10.2024</a:t>
+              <a:t>8.10.2024</a:t>
             </a:fld>
             <a:endParaRPr lang="en-FI"/>
           </a:p>
@@ -2692,7 +2692,7 @@
           <a:p>
             <a:fld id="{8F6B6AA6-5F61-4445-8FDF-FDDD521329A7}" type="datetimeFigureOut">
               <a:rPr lang="en-FI" smtClean="0"/>
-              <a:t>7.10.2024</a:t>
+              <a:t>8.10.2024</a:t>
             </a:fld>
             <a:endParaRPr lang="en-FI"/>
           </a:p>
@@ -2935,7 +2935,7 @@
           <a:p>
             <a:fld id="{8F6B6AA6-5F61-4445-8FDF-FDDD521329A7}" type="datetimeFigureOut">
               <a:rPr lang="en-FI" smtClean="0"/>
-              <a:t>7.10.2024</a:t>
+              <a:t>8.10.2024</a:t>
             </a:fld>
             <a:endParaRPr lang="en-FI"/>
           </a:p>
@@ -6994,6 +6994,13 @@
           </a:p>
           <a:p>
             <a:pPr lvl="1"/>
+            <a:r>
+              <a:rPr lang="en-FI" dirty="0"/>
+              <a:t>Changing data loading to be ‘upsert’ to keep old data and load new one</a:t>
+            </a:r>
+          </a:p>
+          <a:p>
+            <a:pPr lvl="1"/>
             <a:endParaRPr lang="en-FI" dirty="0"/>
           </a:p>
         </p:txBody>
